--- a/kg.pptx
+++ b/kg.pptx
@@ -6,6 +6,10 @@
   </p:sldMasterIdLst>
   <p:sldIdLst>
     <p:sldId id="256" r:id="rId2"/>
+    <p:sldId id="257" r:id="rId3"/>
+    <p:sldId id="259" r:id="rId4"/>
+    <p:sldId id="258" r:id="rId5"/>
+    <p:sldId id="260" r:id="rId6"/>
   </p:sldIdLst>
   <p:sldSz cx="12192000" cy="6858000"/>
   <p:notesSz cx="6858000" cy="9144000"/>
@@ -104,6 +108,11 @@
       </a:defRPr>
     </a:lvl9pPr>
   </p:defaultTextStyle>
+  <p:extLst>
+    <p:ext uri="{EFAFB233-063F-42B5-8137-9DF3F51BA10A}">
+      <p15:sldGuideLst xmlns:p15="http://schemas.microsoft.com/office/powerpoint/2012/main"/>
+    </p:ext>
+  </p:extLst>
 </p:presentation>
 </file>
 
@@ -3358,48 +3367,804 @@
             <p:ph type="ctrTitle"/>
           </p:nvPr>
         </p:nvSpPr>
-        <p:spPr/>
-        <p:txBody>
-          <a:bodyPr/>
-          <a:lstStyle/>
-          <a:p>
-            <a:r>
-              <a:rPr lang="en-US"/>
+        <p:spPr>
+          <a:xfrm>
+            <a:off x="1524000" y="243822"/>
+            <a:ext cx="9144000" cy="715402"/>
+          </a:xfrm>
+        </p:spPr>
+        <p:txBody>
+          <a:bodyPr>
+            <a:noAutofit/>
+          </a:bodyPr>
+          <a:lstStyle/>
+          <a:p>
+            <a:r>
+              <a:rPr lang="en-US" sz="4000" b="1" u="sng" dirty="0"/>
               <a:t>KNOLWEDGE GRAPH</a:t>
             </a:r>
-            <a:endParaRPr lang="en-IN"/>
-          </a:p>
-        </p:txBody>
-      </p:sp>
-      <p:sp>
-        <p:nvSpPr>
-          <p:cNvPr id="3" name="Subtitle 2">
-            <a:extLst>
-              <a:ext uri="{FF2B5EF4-FFF2-40B4-BE49-F238E27FC236}">
-                <a16:creationId xmlns:a16="http://schemas.microsoft.com/office/drawing/2014/main" id="{60BE178B-8B8B-BB02-8E27-06C8D134A217}"/>
-              </a:ext>
-            </a:extLst>
-          </p:cNvPr>
-          <p:cNvSpPr>
-            <a:spLocks noGrp="1"/>
-          </p:cNvSpPr>
-          <p:nvPr>
-            <p:ph type="subTitle" idx="1"/>
-          </p:nvPr>
-        </p:nvSpPr>
-        <p:spPr/>
-        <p:txBody>
-          <a:bodyPr/>
-          <a:lstStyle/>
-          <a:p>
-            <a:endParaRPr lang="en-IN"/>
-          </a:p>
-        </p:txBody>
-      </p:sp>
+            <a:endParaRPr lang="en-IN" sz="4000" b="1" u="sng" dirty="0"/>
+          </a:p>
+        </p:txBody>
+      </p:sp>
+      <p:pic>
+        <p:nvPicPr>
+          <p:cNvPr id="1028" name="Picture 4">
+            <a:extLst>
+              <a:ext uri="{FF2B5EF4-FFF2-40B4-BE49-F238E27FC236}">
+                <a16:creationId xmlns:a16="http://schemas.microsoft.com/office/drawing/2014/main" id="{D2061F5B-52B9-284A-C7D7-E5199EFF4204}"/>
+              </a:ext>
+            </a:extLst>
+          </p:cNvPr>
+          <p:cNvPicPr>
+            <a:picLocks noChangeAspect="1" noChangeArrowheads="1"/>
+          </p:cNvPicPr>
+          <p:nvPr/>
+        </p:nvPicPr>
+        <p:blipFill>
+          <a:blip r:embed="rId2">
+            <a:extLst>
+              <a:ext uri="{28A0092B-C50C-407E-A947-70E740481C1C}">
+                <a14:useLocalDpi xmlns:a14="http://schemas.microsoft.com/office/drawing/2010/main" val="0"/>
+              </a:ext>
+            </a:extLst>
+          </a:blip>
+          <a:srcRect/>
+          <a:stretch>
+            <a:fillRect/>
+          </a:stretch>
+        </p:blipFill>
+        <p:spPr bwMode="auto">
+          <a:xfrm>
+            <a:off x="1182528" y="1087385"/>
+            <a:ext cx="10260471" cy="5770615"/>
+          </a:xfrm>
+          <a:prstGeom prst="rect">
+            <a:avLst/>
+          </a:prstGeom>
+          <a:noFill/>
+          <a:extLst>
+            <a:ext uri="{909E8E84-426E-40DD-AFC4-6F175D3DCCD1}">
+              <a14:hiddenFill xmlns:a14="http://schemas.microsoft.com/office/drawing/2010/main">
+                <a:solidFill>
+                  <a:srgbClr val="FFFFFF"/>
+                </a:solidFill>
+              </a14:hiddenFill>
+            </a:ext>
+          </a:extLst>
+        </p:spPr>
+      </p:pic>
     </p:spTree>
     <p:extLst>
       <p:ext uri="{BB962C8B-B14F-4D97-AF65-F5344CB8AC3E}">
         <p14:creationId xmlns:p14="http://schemas.microsoft.com/office/powerpoint/2010/main" val="700897120"/>
+      </p:ext>
+    </p:extLst>
+  </p:cSld>
+  <p:clrMapOvr>
+    <a:masterClrMapping/>
+  </p:clrMapOvr>
+</p:sld>
+</file>
+
+<file path=ppt/slides/slide2.xml><?xml version="1.0" encoding="utf-8"?>
+<p:sld xmlns:a="http://schemas.openxmlformats.org/drawingml/2006/main" xmlns:r="http://schemas.openxmlformats.org/officeDocument/2006/relationships" xmlns:p="http://schemas.openxmlformats.org/presentationml/2006/main">
+  <p:cSld>
+    <p:spTree>
+      <p:nvGrpSpPr>
+        <p:cNvPr id="1" name=""/>
+        <p:cNvGrpSpPr/>
+        <p:nvPr/>
+      </p:nvGrpSpPr>
+      <p:grpSpPr>
+        <a:xfrm>
+          <a:off x="0" y="0"/>
+          <a:ext cx="0" cy="0"/>
+          <a:chOff x="0" y="0"/>
+          <a:chExt cx="0" cy="0"/>
+        </a:xfrm>
+      </p:grpSpPr>
+      <p:pic>
+        <p:nvPicPr>
+          <p:cNvPr id="2050" name="Picture 2">
+            <a:extLst>
+              <a:ext uri="{FF2B5EF4-FFF2-40B4-BE49-F238E27FC236}">
+                <a16:creationId xmlns:a16="http://schemas.microsoft.com/office/drawing/2014/main" id="{4E40BD01-4399-37E6-D6B8-594307571B59}"/>
+              </a:ext>
+            </a:extLst>
+          </p:cNvPr>
+          <p:cNvPicPr>
+            <a:picLocks noChangeAspect="1" noChangeArrowheads="1"/>
+          </p:cNvPicPr>
+          <p:nvPr/>
+        </p:nvPicPr>
+        <p:blipFill>
+          <a:blip r:embed="rId2">
+            <a:extLst>
+              <a:ext uri="{28A0092B-C50C-407E-A947-70E740481C1C}">
+                <a14:useLocalDpi xmlns:a14="http://schemas.microsoft.com/office/drawing/2010/main" val="0"/>
+              </a:ext>
+            </a:extLst>
+          </a:blip>
+          <a:srcRect/>
+          <a:stretch>
+            <a:fillRect/>
+          </a:stretch>
+        </p:blipFill>
+        <p:spPr bwMode="auto">
+          <a:xfrm>
+            <a:off x="851826" y="959224"/>
+            <a:ext cx="10488347" cy="5898776"/>
+          </a:xfrm>
+          <a:prstGeom prst="rect">
+            <a:avLst/>
+          </a:prstGeom>
+          <a:noFill/>
+          <a:extLst>
+            <a:ext uri="{909E8E84-426E-40DD-AFC4-6F175D3DCCD1}">
+              <a14:hiddenFill xmlns:a14="http://schemas.microsoft.com/office/drawing/2010/main">
+                <a:solidFill>
+                  <a:srgbClr val="FFFFFF"/>
+                </a:solidFill>
+              </a14:hiddenFill>
+            </a:ext>
+          </a:extLst>
+        </p:spPr>
+      </p:pic>
+    </p:spTree>
+    <p:extLst>
+      <p:ext uri="{BB962C8B-B14F-4D97-AF65-F5344CB8AC3E}">
+        <p14:creationId xmlns:p14="http://schemas.microsoft.com/office/powerpoint/2010/main" val="587098967"/>
+      </p:ext>
+    </p:extLst>
+  </p:cSld>
+  <p:clrMapOvr>
+    <a:masterClrMapping/>
+  </p:clrMapOvr>
+</p:sld>
+</file>
+
+<file path=ppt/slides/slide3.xml><?xml version="1.0" encoding="utf-8"?>
+<p:sld xmlns:a="http://schemas.openxmlformats.org/drawingml/2006/main" xmlns:r="http://schemas.openxmlformats.org/officeDocument/2006/relationships" xmlns:p="http://schemas.openxmlformats.org/presentationml/2006/main">
+  <p:cSld>
+    <p:spTree>
+      <p:nvGrpSpPr>
+        <p:cNvPr id="1" name=""/>
+        <p:cNvGrpSpPr/>
+        <p:nvPr/>
+      </p:nvGrpSpPr>
+      <p:grpSpPr>
+        <a:xfrm>
+          <a:off x="0" y="0"/>
+          <a:ext cx="0" cy="0"/>
+          <a:chOff x="0" y="0"/>
+          <a:chExt cx="0" cy="0"/>
+        </a:xfrm>
+      </p:grpSpPr>
+      <p:sp>
+        <p:nvSpPr>
+          <p:cNvPr id="2" name="TextBox 1">
+            <a:extLst>
+              <a:ext uri="{FF2B5EF4-FFF2-40B4-BE49-F238E27FC236}">
+                <a16:creationId xmlns:a16="http://schemas.microsoft.com/office/drawing/2014/main" id="{CB1ECE20-A0EC-5124-AB24-63662CA72122}"/>
+              </a:ext>
+            </a:extLst>
+          </p:cNvPr>
+          <p:cNvSpPr txBox="1"/>
+          <p:nvPr/>
+        </p:nvSpPr>
+        <p:spPr>
+          <a:xfrm>
+            <a:off x="1249680" y="1158240"/>
+            <a:ext cx="9890760" cy="3693319"/>
+          </a:xfrm>
+          <a:prstGeom prst="rect">
+            <a:avLst/>
+          </a:prstGeom>
+          <a:noFill/>
+        </p:spPr>
+        <p:txBody>
+          <a:bodyPr wrap="square" rtlCol="0">
+            <a:spAutoFit/>
+          </a:bodyPr>
+          <a:lstStyle/>
+          <a:p>
+            <a:pPr marL="285750" indent="-285750">
+              <a:buFont typeface="Arial" panose="020B0604020202020204" pitchFamily="34" charset="0"/>
+              <a:buChar char="•"/>
+            </a:pPr>
+            <a:r>
+              <a:rPr lang="en-US" b="0" i="0" dirty="0">
+                <a:solidFill>
+                  <a:srgbClr val="8D9195"/>
+                </a:solidFill>
+                <a:effectLst/>
+                <a:latin typeface="IBM Plex Sans" panose="020B0604020202020204" pitchFamily="34" charset="0"/>
+              </a:rPr>
+              <a:t>Bringing knowledge graphs and machine learning (ML) together can systematically improve the accuracy of systems and extend the range of machine learning capabilities. </a:t>
+            </a:r>
+          </a:p>
+          <a:p>
+            <a:pPr marL="285750" indent="-285750">
+              <a:buFont typeface="Arial" panose="020B0604020202020204" pitchFamily="34" charset="0"/>
+              <a:buChar char="•"/>
+            </a:pPr>
+            <a:endParaRPr lang="en-US" dirty="0">
+              <a:solidFill>
+                <a:srgbClr val="8D9195"/>
+              </a:solidFill>
+              <a:latin typeface="IBM Plex Sans" panose="020B0604020202020204" pitchFamily="34" charset="0"/>
+            </a:endParaRPr>
+          </a:p>
+          <a:p>
+            <a:pPr marL="285750" indent="-285750">
+              <a:buFont typeface="Arial" panose="020B0604020202020204" pitchFamily="34" charset="0"/>
+              <a:buChar char="•"/>
+            </a:pPr>
+            <a:r>
+              <a:rPr lang="en-IN" dirty="0"/>
+              <a:t>KG lets us build relationship between entities that are not directly connected but might have a connection which is not inferable from the data available.</a:t>
+            </a:r>
+          </a:p>
+          <a:p>
+            <a:pPr marL="285750" indent="-285750">
+              <a:buFont typeface="Arial" panose="020B0604020202020204" pitchFamily="34" charset="0"/>
+              <a:buChar char="•"/>
+            </a:pPr>
+            <a:endParaRPr lang="en-IN" dirty="0"/>
+          </a:p>
+          <a:p>
+            <a:pPr marL="285750" indent="-285750">
+              <a:buFont typeface="Arial" panose="020B0604020202020204" pitchFamily="34" charset="0"/>
+              <a:buChar char="•"/>
+            </a:pPr>
+            <a:r>
+              <a:rPr lang="en-IN" dirty="0"/>
+              <a:t>ML is used to build complex datasets to train their models. But, this alone is a huge task &amp; comes with numerous challenges. Incorporating KG into ML would mean that we have more unbiased and truthful data which when visualized would help us understand more meaningful insights.</a:t>
+            </a:r>
+          </a:p>
+          <a:p>
+            <a:pPr marL="285750" indent="-285750">
+              <a:buFont typeface="Arial" panose="020B0604020202020204" pitchFamily="34" charset="0"/>
+              <a:buChar char="•"/>
+            </a:pPr>
+            <a:endParaRPr lang="en-IN" dirty="0"/>
+          </a:p>
+          <a:p>
+            <a:pPr marL="285750" indent="-285750">
+              <a:buFont typeface="Arial" panose="020B0604020202020204" pitchFamily="34" charset="0"/>
+              <a:buChar char="•"/>
+            </a:pPr>
+            <a:r>
+              <a:rPr lang="en-IN" dirty="0"/>
+              <a:t>This would further lead to better decision making &amp; thus fulfilling business needs.</a:t>
+            </a:r>
+          </a:p>
+          <a:p>
+            <a:pPr marL="285750" indent="-285750">
+              <a:buFont typeface="Arial" panose="020B0604020202020204" pitchFamily="34" charset="0"/>
+              <a:buChar char="•"/>
+            </a:pPr>
+            <a:endParaRPr lang="en-IN" dirty="0"/>
+          </a:p>
+          <a:p>
+            <a:pPr marL="285750" indent="-285750">
+              <a:buFont typeface="Arial" panose="020B0604020202020204" pitchFamily="34" charset="0"/>
+              <a:buChar char="•"/>
+            </a:pPr>
+            <a:endParaRPr lang="en-IN" dirty="0"/>
+          </a:p>
+        </p:txBody>
+      </p:sp>
+    </p:spTree>
+    <p:extLst>
+      <p:ext uri="{BB962C8B-B14F-4D97-AF65-F5344CB8AC3E}">
+        <p14:creationId xmlns:p14="http://schemas.microsoft.com/office/powerpoint/2010/main" val="2487613506"/>
+      </p:ext>
+    </p:extLst>
+  </p:cSld>
+  <p:clrMapOvr>
+    <a:masterClrMapping/>
+  </p:clrMapOvr>
+</p:sld>
+</file>
+
+<file path=ppt/slides/slide4.xml><?xml version="1.0" encoding="utf-8"?>
+<p:sld xmlns:a="http://schemas.openxmlformats.org/drawingml/2006/main" xmlns:r="http://schemas.openxmlformats.org/officeDocument/2006/relationships" xmlns:p="http://schemas.openxmlformats.org/presentationml/2006/main">
+  <p:cSld>
+    <p:spTree>
+      <p:nvGrpSpPr>
+        <p:cNvPr id="1" name=""/>
+        <p:cNvGrpSpPr/>
+        <p:nvPr/>
+      </p:nvGrpSpPr>
+      <p:grpSpPr>
+        <a:xfrm>
+          <a:off x="0" y="0"/>
+          <a:ext cx="0" cy="0"/>
+          <a:chOff x="0" y="0"/>
+          <a:chExt cx="0" cy="0"/>
+        </a:xfrm>
+      </p:grpSpPr>
+      <p:sp>
+        <p:nvSpPr>
+          <p:cNvPr id="4" name="Content Placeholder 2">
+            <a:extLst>
+              <a:ext uri="{FF2B5EF4-FFF2-40B4-BE49-F238E27FC236}">
+                <a16:creationId xmlns:a16="http://schemas.microsoft.com/office/drawing/2014/main" id="{FC41998B-6314-9ED1-718E-467DA7F6FFFD}"/>
+              </a:ext>
+            </a:extLst>
+          </p:cNvPr>
+          <p:cNvSpPr txBox="1">
+            <a:spLocks/>
+          </p:cNvSpPr>
+          <p:nvPr/>
+        </p:nvSpPr>
+        <p:spPr>
+          <a:xfrm>
+            <a:off x="1828802" y="1401763"/>
+            <a:ext cx="7586132" cy="3666948"/>
+          </a:xfrm>
+          <a:prstGeom prst="rect">
+            <a:avLst/>
+          </a:prstGeom>
+        </p:spPr>
+        <p:txBody>
+          <a:bodyPr vert="horz" lIns="91440" tIns="45720" rIns="91440" bIns="45720" rtlCol="0">
+            <a:normAutofit/>
+          </a:bodyPr>
+          <a:lstStyle>
+            <a:lvl1pPr marL="0" indent="0" algn="ctr" defTabSz="914400" rtl="0" eaLnBrk="1" latinLnBrk="0" hangingPunct="1">
+              <a:lnSpc>
+                <a:spcPct val="90000"/>
+              </a:lnSpc>
+              <a:spcBef>
+                <a:spcPts val="1000"/>
+              </a:spcBef>
+              <a:buFont typeface="Arial" panose="020B0604020202020204" pitchFamily="34" charset="0"/>
+              <a:buNone/>
+              <a:defRPr sz="2400" kern="1200">
+                <a:solidFill>
+                  <a:schemeClr val="tx1"/>
+                </a:solidFill>
+                <a:latin typeface="+mn-lt"/>
+                <a:ea typeface="+mn-ea"/>
+                <a:cs typeface="+mn-cs"/>
+              </a:defRPr>
+            </a:lvl1pPr>
+            <a:lvl2pPr marL="457200" indent="0" algn="ctr" defTabSz="914400" rtl="0" eaLnBrk="1" latinLnBrk="0" hangingPunct="1">
+              <a:lnSpc>
+                <a:spcPct val="90000"/>
+              </a:lnSpc>
+              <a:spcBef>
+                <a:spcPts val="500"/>
+              </a:spcBef>
+              <a:buFont typeface="Arial" panose="020B0604020202020204" pitchFamily="34" charset="0"/>
+              <a:buNone/>
+              <a:defRPr sz="2000" kern="1200">
+                <a:solidFill>
+                  <a:schemeClr val="tx1"/>
+                </a:solidFill>
+                <a:latin typeface="+mn-lt"/>
+                <a:ea typeface="+mn-ea"/>
+                <a:cs typeface="+mn-cs"/>
+              </a:defRPr>
+            </a:lvl2pPr>
+            <a:lvl3pPr marL="914400" indent="0" algn="ctr" defTabSz="914400" rtl="0" eaLnBrk="1" latinLnBrk="0" hangingPunct="1">
+              <a:lnSpc>
+                <a:spcPct val="90000"/>
+              </a:lnSpc>
+              <a:spcBef>
+                <a:spcPts val="500"/>
+              </a:spcBef>
+              <a:buFont typeface="Arial" panose="020B0604020202020204" pitchFamily="34" charset="0"/>
+              <a:buNone/>
+              <a:defRPr sz="1800" kern="1200">
+                <a:solidFill>
+                  <a:schemeClr val="tx1"/>
+                </a:solidFill>
+                <a:latin typeface="+mn-lt"/>
+                <a:ea typeface="+mn-ea"/>
+                <a:cs typeface="+mn-cs"/>
+              </a:defRPr>
+            </a:lvl3pPr>
+            <a:lvl4pPr marL="1371600" indent="0" algn="ctr" defTabSz="914400" rtl="0" eaLnBrk="1" latinLnBrk="0" hangingPunct="1">
+              <a:lnSpc>
+                <a:spcPct val="90000"/>
+              </a:lnSpc>
+              <a:spcBef>
+                <a:spcPts val="500"/>
+              </a:spcBef>
+              <a:buFont typeface="Arial" panose="020B0604020202020204" pitchFamily="34" charset="0"/>
+              <a:buNone/>
+              <a:defRPr sz="1600" kern="1200">
+                <a:solidFill>
+                  <a:schemeClr val="tx1"/>
+                </a:solidFill>
+                <a:latin typeface="+mn-lt"/>
+                <a:ea typeface="+mn-ea"/>
+                <a:cs typeface="+mn-cs"/>
+              </a:defRPr>
+            </a:lvl4pPr>
+            <a:lvl5pPr marL="1828800" indent="0" algn="ctr" defTabSz="914400" rtl="0" eaLnBrk="1" latinLnBrk="0" hangingPunct="1">
+              <a:lnSpc>
+                <a:spcPct val="90000"/>
+              </a:lnSpc>
+              <a:spcBef>
+                <a:spcPts val="500"/>
+              </a:spcBef>
+              <a:buFont typeface="Arial" panose="020B0604020202020204" pitchFamily="34" charset="0"/>
+              <a:buNone/>
+              <a:defRPr sz="1600" kern="1200">
+                <a:solidFill>
+                  <a:schemeClr val="tx1"/>
+                </a:solidFill>
+                <a:latin typeface="+mn-lt"/>
+                <a:ea typeface="+mn-ea"/>
+                <a:cs typeface="+mn-cs"/>
+              </a:defRPr>
+            </a:lvl5pPr>
+            <a:lvl6pPr marL="2286000" indent="0" algn="ctr" defTabSz="914400" rtl="0" eaLnBrk="1" latinLnBrk="0" hangingPunct="1">
+              <a:lnSpc>
+                <a:spcPct val="90000"/>
+              </a:lnSpc>
+              <a:spcBef>
+                <a:spcPts val="500"/>
+              </a:spcBef>
+              <a:buFont typeface="Arial" panose="020B0604020202020204" pitchFamily="34" charset="0"/>
+              <a:buNone/>
+              <a:defRPr sz="1600" kern="1200">
+                <a:solidFill>
+                  <a:schemeClr val="tx1"/>
+                </a:solidFill>
+                <a:latin typeface="+mn-lt"/>
+                <a:ea typeface="+mn-ea"/>
+                <a:cs typeface="+mn-cs"/>
+              </a:defRPr>
+            </a:lvl6pPr>
+            <a:lvl7pPr marL="2743200" indent="0" algn="ctr" defTabSz="914400" rtl="0" eaLnBrk="1" latinLnBrk="0" hangingPunct="1">
+              <a:lnSpc>
+                <a:spcPct val="90000"/>
+              </a:lnSpc>
+              <a:spcBef>
+                <a:spcPts val="500"/>
+              </a:spcBef>
+              <a:buFont typeface="Arial" panose="020B0604020202020204" pitchFamily="34" charset="0"/>
+              <a:buNone/>
+              <a:defRPr sz="1600" kern="1200">
+                <a:solidFill>
+                  <a:schemeClr val="tx1"/>
+                </a:solidFill>
+                <a:latin typeface="+mn-lt"/>
+                <a:ea typeface="+mn-ea"/>
+                <a:cs typeface="+mn-cs"/>
+              </a:defRPr>
+            </a:lvl7pPr>
+            <a:lvl8pPr marL="3200400" indent="0" algn="ctr" defTabSz="914400" rtl="0" eaLnBrk="1" latinLnBrk="0" hangingPunct="1">
+              <a:lnSpc>
+                <a:spcPct val="90000"/>
+              </a:lnSpc>
+              <a:spcBef>
+                <a:spcPts val="500"/>
+              </a:spcBef>
+              <a:buFont typeface="Arial" panose="020B0604020202020204" pitchFamily="34" charset="0"/>
+              <a:buNone/>
+              <a:defRPr sz="1600" kern="1200">
+                <a:solidFill>
+                  <a:schemeClr val="tx1"/>
+                </a:solidFill>
+                <a:latin typeface="+mn-lt"/>
+                <a:ea typeface="+mn-ea"/>
+                <a:cs typeface="+mn-cs"/>
+              </a:defRPr>
+            </a:lvl8pPr>
+            <a:lvl9pPr marL="3657600" indent="0" algn="ctr" defTabSz="914400" rtl="0" eaLnBrk="1" latinLnBrk="0" hangingPunct="1">
+              <a:lnSpc>
+                <a:spcPct val="90000"/>
+              </a:lnSpc>
+              <a:spcBef>
+                <a:spcPts val="500"/>
+              </a:spcBef>
+              <a:buFont typeface="Arial" panose="020B0604020202020204" pitchFamily="34" charset="0"/>
+              <a:buNone/>
+              <a:defRPr sz="1600" kern="1200">
+                <a:solidFill>
+                  <a:schemeClr val="tx1"/>
+                </a:solidFill>
+                <a:latin typeface="+mn-lt"/>
+                <a:ea typeface="+mn-ea"/>
+                <a:cs typeface="+mn-cs"/>
+              </a:defRPr>
+            </a:lvl9pPr>
+          </a:lstStyle>
+          <a:p>
+            <a:pPr marL="285750" indent="-285750" algn="just">
+              <a:buFont typeface="Arial" panose="020B0604020202020204" pitchFamily="34" charset="0"/>
+              <a:buChar char="•"/>
+            </a:pPr>
+            <a:r>
+              <a:rPr lang="en-US" sz="1600" dirty="0"/>
+              <a:t>Knowledge graphs can interconnect several tables with individual attributes as relations with entities. </a:t>
+            </a:r>
+          </a:p>
+          <a:p>
+            <a:pPr marL="285750" indent="-285750" algn="just">
+              <a:buFont typeface="Arial" panose="020B0604020202020204" pitchFamily="34" charset="0"/>
+              <a:buChar char="•"/>
+            </a:pPr>
+            <a:r>
+              <a:rPr lang="en-US" sz="1600" dirty="0"/>
+              <a:t>Complex networks can be easily understood by traversing through relations (edges) and nodes (entities)</a:t>
+            </a:r>
+          </a:p>
+          <a:p>
+            <a:pPr marL="285750" indent="-285750" algn="just">
+              <a:buFont typeface="Arial" panose="020B0604020202020204" pitchFamily="34" charset="0"/>
+              <a:buChar char="•"/>
+              <a:defRPr/>
+            </a:pPr>
+            <a:r>
+              <a:rPr lang="en-US" sz="1600" dirty="0">
+                <a:ea typeface="MS PGothic" charset="0"/>
+                <a:cs typeface="Arial" charset="0"/>
+              </a:rPr>
+              <a:t>In a knowledge graph, entities will be nodes with their detailed profiles and connected through edges (relationships) to other entities. </a:t>
+            </a:r>
+          </a:p>
+          <a:p>
+            <a:pPr marL="285750" indent="-285750" algn="just">
+              <a:buFont typeface="Arial" panose="020B0604020202020204" pitchFamily="34" charset="0"/>
+              <a:buChar char="•"/>
+              <a:defRPr/>
+            </a:pPr>
+            <a:r>
+              <a:rPr lang="en-US" sz="1600" dirty="0">
+                <a:ea typeface="MS PGothic" charset="0"/>
+                <a:cs typeface="Arial" charset="0"/>
+              </a:rPr>
+              <a:t>Each relationship can be expanded to get all the entities with that particular relationship</a:t>
+            </a:r>
+            <a:endParaRPr lang="en-US" sz="1600" dirty="0"/>
+          </a:p>
+        </p:txBody>
+      </p:sp>
+    </p:spTree>
+    <p:extLst>
+      <p:ext uri="{BB962C8B-B14F-4D97-AF65-F5344CB8AC3E}">
+        <p14:creationId xmlns:p14="http://schemas.microsoft.com/office/powerpoint/2010/main" val="3566269229"/>
+      </p:ext>
+    </p:extLst>
+  </p:cSld>
+  <p:clrMapOvr>
+    <a:masterClrMapping/>
+  </p:clrMapOvr>
+</p:sld>
+</file>
+
+<file path=ppt/slides/slide5.xml><?xml version="1.0" encoding="utf-8"?>
+<p:sld xmlns:a="http://schemas.openxmlformats.org/drawingml/2006/main" xmlns:r="http://schemas.openxmlformats.org/officeDocument/2006/relationships" xmlns:p="http://schemas.openxmlformats.org/presentationml/2006/main">
+  <p:cSld>
+    <p:spTree>
+      <p:nvGrpSpPr>
+        <p:cNvPr id="1" name=""/>
+        <p:cNvGrpSpPr/>
+        <p:nvPr/>
+      </p:nvGrpSpPr>
+      <p:grpSpPr>
+        <a:xfrm>
+          <a:off x="0" y="0"/>
+          <a:ext cx="0" cy="0"/>
+          <a:chOff x="0" y="0"/>
+          <a:chExt cx="0" cy="0"/>
+        </a:xfrm>
+      </p:grpSpPr>
+      <p:sp>
+        <p:nvSpPr>
+          <p:cNvPr id="4" name="Content Placeholder 2">
+            <a:extLst>
+              <a:ext uri="{FF2B5EF4-FFF2-40B4-BE49-F238E27FC236}">
+                <a16:creationId xmlns:a16="http://schemas.microsoft.com/office/drawing/2014/main" id="{FC41998B-6314-9ED1-718E-467DA7F6FFFD}"/>
+              </a:ext>
+            </a:extLst>
+          </p:cNvPr>
+          <p:cNvSpPr txBox="1">
+            <a:spLocks/>
+          </p:cNvSpPr>
+          <p:nvPr/>
+        </p:nvSpPr>
+        <p:spPr>
+          <a:xfrm>
+            <a:off x="1828802" y="1401763"/>
+            <a:ext cx="7586132" cy="3666948"/>
+          </a:xfrm>
+          <a:prstGeom prst="rect">
+            <a:avLst/>
+          </a:prstGeom>
+        </p:spPr>
+        <p:txBody>
+          <a:bodyPr vert="horz" lIns="91440" tIns="45720" rIns="91440" bIns="45720" rtlCol="0">
+            <a:normAutofit/>
+          </a:bodyPr>
+          <a:lstStyle>
+            <a:lvl1pPr marL="0" indent="0" algn="ctr" defTabSz="914400" rtl="0" eaLnBrk="1" latinLnBrk="0" hangingPunct="1">
+              <a:lnSpc>
+                <a:spcPct val="90000"/>
+              </a:lnSpc>
+              <a:spcBef>
+                <a:spcPts val="1000"/>
+              </a:spcBef>
+              <a:buFont typeface="Arial" panose="020B0604020202020204" pitchFamily="34" charset="0"/>
+              <a:buNone/>
+              <a:defRPr sz="2400" kern="1200">
+                <a:solidFill>
+                  <a:schemeClr val="tx1"/>
+                </a:solidFill>
+                <a:latin typeface="+mn-lt"/>
+                <a:ea typeface="+mn-ea"/>
+                <a:cs typeface="+mn-cs"/>
+              </a:defRPr>
+            </a:lvl1pPr>
+            <a:lvl2pPr marL="457200" indent="0" algn="ctr" defTabSz="914400" rtl="0" eaLnBrk="1" latinLnBrk="0" hangingPunct="1">
+              <a:lnSpc>
+                <a:spcPct val="90000"/>
+              </a:lnSpc>
+              <a:spcBef>
+                <a:spcPts val="500"/>
+              </a:spcBef>
+              <a:buFont typeface="Arial" panose="020B0604020202020204" pitchFamily="34" charset="0"/>
+              <a:buNone/>
+              <a:defRPr sz="2000" kern="1200">
+                <a:solidFill>
+                  <a:schemeClr val="tx1"/>
+                </a:solidFill>
+                <a:latin typeface="+mn-lt"/>
+                <a:ea typeface="+mn-ea"/>
+                <a:cs typeface="+mn-cs"/>
+              </a:defRPr>
+            </a:lvl2pPr>
+            <a:lvl3pPr marL="914400" indent="0" algn="ctr" defTabSz="914400" rtl="0" eaLnBrk="1" latinLnBrk="0" hangingPunct="1">
+              <a:lnSpc>
+                <a:spcPct val="90000"/>
+              </a:lnSpc>
+              <a:spcBef>
+                <a:spcPts val="500"/>
+              </a:spcBef>
+              <a:buFont typeface="Arial" panose="020B0604020202020204" pitchFamily="34" charset="0"/>
+              <a:buNone/>
+              <a:defRPr sz="1800" kern="1200">
+                <a:solidFill>
+                  <a:schemeClr val="tx1"/>
+                </a:solidFill>
+                <a:latin typeface="+mn-lt"/>
+                <a:ea typeface="+mn-ea"/>
+                <a:cs typeface="+mn-cs"/>
+              </a:defRPr>
+            </a:lvl3pPr>
+            <a:lvl4pPr marL="1371600" indent="0" algn="ctr" defTabSz="914400" rtl="0" eaLnBrk="1" latinLnBrk="0" hangingPunct="1">
+              <a:lnSpc>
+                <a:spcPct val="90000"/>
+              </a:lnSpc>
+              <a:spcBef>
+                <a:spcPts val="500"/>
+              </a:spcBef>
+              <a:buFont typeface="Arial" panose="020B0604020202020204" pitchFamily="34" charset="0"/>
+              <a:buNone/>
+              <a:defRPr sz="1600" kern="1200">
+                <a:solidFill>
+                  <a:schemeClr val="tx1"/>
+                </a:solidFill>
+                <a:latin typeface="+mn-lt"/>
+                <a:ea typeface="+mn-ea"/>
+                <a:cs typeface="+mn-cs"/>
+              </a:defRPr>
+            </a:lvl4pPr>
+            <a:lvl5pPr marL="1828800" indent="0" algn="ctr" defTabSz="914400" rtl="0" eaLnBrk="1" latinLnBrk="0" hangingPunct="1">
+              <a:lnSpc>
+                <a:spcPct val="90000"/>
+              </a:lnSpc>
+              <a:spcBef>
+                <a:spcPts val="500"/>
+              </a:spcBef>
+              <a:buFont typeface="Arial" panose="020B0604020202020204" pitchFamily="34" charset="0"/>
+              <a:buNone/>
+              <a:defRPr sz="1600" kern="1200">
+                <a:solidFill>
+                  <a:schemeClr val="tx1"/>
+                </a:solidFill>
+                <a:latin typeface="+mn-lt"/>
+                <a:ea typeface="+mn-ea"/>
+                <a:cs typeface="+mn-cs"/>
+              </a:defRPr>
+            </a:lvl5pPr>
+            <a:lvl6pPr marL="2286000" indent="0" algn="ctr" defTabSz="914400" rtl="0" eaLnBrk="1" latinLnBrk="0" hangingPunct="1">
+              <a:lnSpc>
+                <a:spcPct val="90000"/>
+              </a:lnSpc>
+              <a:spcBef>
+                <a:spcPts val="500"/>
+              </a:spcBef>
+              <a:buFont typeface="Arial" panose="020B0604020202020204" pitchFamily="34" charset="0"/>
+              <a:buNone/>
+              <a:defRPr sz="1600" kern="1200">
+                <a:solidFill>
+                  <a:schemeClr val="tx1"/>
+                </a:solidFill>
+                <a:latin typeface="+mn-lt"/>
+                <a:ea typeface="+mn-ea"/>
+                <a:cs typeface="+mn-cs"/>
+              </a:defRPr>
+            </a:lvl6pPr>
+            <a:lvl7pPr marL="2743200" indent="0" algn="ctr" defTabSz="914400" rtl="0" eaLnBrk="1" latinLnBrk="0" hangingPunct="1">
+              <a:lnSpc>
+                <a:spcPct val="90000"/>
+              </a:lnSpc>
+              <a:spcBef>
+                <a:spcPts val="500"/>
+              </a:spcBef>
+              <a:buFont typeface="Arial" panose="020B0604020202020204" pitchFamily="34" charset="0"/>
+              <a:buNone/>
+              <a:defRPr sz="1600" kern="1200">
+                <a:solidFill>
+                  <a:schemeClr val="tx1"/>
+                </a:solidFill>
+                <a:latin typeface="+mn-lt"/>
+                <a:ea typeface="+mn-ea"/>
+                <a:cs typeface="+mn-cs"/>
+              </a:defRPr>
+            </a:lvl7pPr>
+            <a:lvl8pPr marL="3200400" indent="0" algn="ctr" defTabSz="914400" rtl="0" eaLnBrk="1" latinLnBrk="0" hangingPunct="1">
+              <a:lnSpc>
+                <a:spcPct val="90000"/>
+              </a:lnSpc>
+              <a:spcBef>
+                <a:spcPts val="500"/>
+              </a:spcBef>
+              <a:buFont typeface="Arial" panose="020B0604020202020204" pitchFamily="34" charset="0"/>
+              <a:buNone/>
+              <a:defRPr sz="1600" kern="1200">
+                <a:solidFill>
+                  <a:schemeClr val="tx1"/>
+                </a:solidFill>
+                <a:latin typeface="+mn-lt"/>
+                <a:ea typeface="+mn-ea"/>
+                <a:cs typeface="+mn-cs"/>
+              </a:defRPr>
+            </a:lvl8pPr>
+            <a:lvl9pPr marL="3657600" indent="0" algn="ctr" defTabSz="914400" rtl="0" eaLnBrk="1" latinLnBrk="0" hangingPunct="1">
+              <a:lnSpc>
+                <a:spcPct val="90000"/>
+              </a:lnSpc>
+              <a:spcBef>
+                <a:spcPts val="500"/>
+              </a:spcBef>
+              <a:buFont typeface="Arial" panose="020B0604020202020204" pitchFamily="34" charset="0"/>
+              <a:buNone/>
+              <a:defRPr sz="1600" kern="1200">
+                <a:solidFill>
+                  <a:schemeClr val="tx1"/>
+                </a:solidFill>
+                <a:latin typeface="+mn-lt"/>
+                <a:ea typeface="+mn-ea"/>
+                <a:cs typeface="+mn-cs"/>
+              </a:defRPr>
+            </a:lvl9pPr>
+          </a:lstStyle>
+          <a:p>
+            <a:pPr marL="285750" indent="-285750" algn="just">
+              <a:buFont typeface="Arial" panose="020B0604020202020204" pitchFamily="34" charset="0"/>
+              <a:buChar char="•"/>
+            </a:pPr>
+            <a:r>
+              <a:rPr lang="en-US" sz="4400" dirty="0"/>
+              <a:t>THANK YOU</a:t>
+            </a:r>
+          </a:p>
+        </p:txBody>
+      </p:sp>
+    </p:spTree>
+    <p:extLst>
+      <p:ext uri="{BB962C8B-B14F-4D97-AF65-F5344CB8AC3E}">
+        <p14:creationId xmlns:p14="http://schemas.microsoft.com/office/powerpoint/2010/main" val="559782700"/>
       </p:ext>
     </p:extLst>
   </p:cSld>
